--- a/introduction_人脸识别.pptx
+++ b/introduction_人脸识别.pptx
@@ -105,6 +105,11 @@
       </a:defRPr>
     </a:lvl9pPr>
   </p:defaultTextStyle>
+  <p:extLst>
+    <p:ext uri="{EFAFB233-063F-42B5-8137-9DF3F51BA10A}">
+      <p15:sldGuideLst xmlns:p15="http://schemas.microsoft.com/office/powerpoint/2012/main"/>
+    </p:ext>
+  </p:extLst>
 </p:presentation>
 </file>
 
@@ -239,7 +244,7 @@
           <a:p>
             <a:fld id="{181EB48F-690E-47BC-A710-8A96CE427C21}" type="datetimeFigureOut">
               <a:rPr lang="zh-CN" altLang="en-US" smtClean="0"/>
-              <a:t>2018/5/8</a:t>
+              <a:t>2018/5/14</a:t>
             </a:fld>
             <a:endParaRPr lang="zh-CN" altLang="en-US"/>
           </a:p>
@@ -409,7 +414,7 @@
           <a:p>
             <a:fld id="{181EB48F-690E-47BC-A710-8A96CE427C21}" type="datetimeFigureOut">
               <a:rPr lang="zh-CN" altLang="en-US" smtClean="0"/>
-              <a:t>2018/5/8</a:t>
+              <a:t>2018/5/14</a:t>
             </a:fld>
             <a:endParaRPr lang="zh-CN" altLang="en-US"/>
           </a:p>
@@ -589,7 +594,7 @@
           <a:p>
             <a:fld id="{181EB48F-690E-47BC-A710-8A96CE427C21}" type="datetimeFigureOut">
               <a:rPr lang="zh-CN" altLang="en-US" smtClean="0"/>
-              <a:t>2018/5/8</a:t>
+              <a:t>2018/5/14</a:t>
             </a:fld>
             <a:endParaRPr lang="zh-CN" altLang="en-US"/>
           </a:p>
@@ -759,7 +764,7 @@
           <a:p>
             <a:fld id="{181EB48F-690E-47BC-A710-8A96CE427C21}" type="datetimeFigureOut">
               <a:rPr lang="zh-CN" altLang="en-US" smtClean="0"/>
-              <a:t>2018/5/8</a:t>
+              <a:t>2018/5/14</a:t>
             </a:fld>
             <a:endParaRPr lang="zh-CN" altLang="en-US"/>
           </a:p>
@@ -1005,7 +1010,7 @@
           <a:p>
             <a:fld id="{181EB48F-690E-47BC-A710-8A96CE427C21}" type="datetimeFigureOut">
               <a:rPr lang="zh-CN" altLang="en-US" smtClean="0"/>
-              <a:t>2018/5/8</a:t>
+              <a:t>2018/5/14</a:t>
             </a:fld>
             <a:endParaRPr lang="zh-CN" altLang="en-US"/>
           </a:p>
@@ -1237,7 +1242,7 @@
           <a:p>
             <a:fld id="{181EB48F-690E-47BC-A710-8A96CE427C21}" type="datetimeFigureOut">
               <a:rPr lang="zh-CN" altLang="en-US" smtClean="0"/>
-              <a:t>2018/5/8</a:t>
+              <a:t>2018/5/14</a:t>
             </a:fld>
             <a:endParaRPr lang="zh-CN" altLang="en-US"/>
           </a:p>
@@ -1604,7 +1609,7 @@
           <a:p>
             <a:fld id="{181EB48F-690E-47BC-A710-8A96CE427C21}" type="datetimeFigureOut">
               <a:rPr lang="zh-CN" altLang="en-US" smtClean="0"/>
-              <a:t>2018/5/8</a:t>
+              <a:t>2018/5/14</a:t>
             </a:fld>
             <a:endParaRPr lang="zh-CN" altLang="en-US"/>
           </a:p>
@@ -1722,7 +1727,7 @@
           <a:p>
             <a:fld id="{181EB48F-690E-47BC-A710-8A96CE427C21}" type="datetimeFigureOut">
               <a:rPr lang="zh-CN" altLang="en-US" smtClean="0"/>
-              <a:t>2018/5/8</a:t>
+              <a:t>2018/5/14</a:t>
             </a:fld>
             <a:endParaRPr lang="zh-CN" altLang="en-US"/>
           </a:p>
@@ -1817,7 +1822,7 @@
           <a:p>
             <a:fld id="{181EB48F-690E-47BC-A710-8A96CE427C21}" type="datetimeFigureOut">
               <a:rPr lang="zh-CN" altLang="en-US" smtClean="0"/>
-              <a:t>2018/5/8</a:t>
+              <a:t>2018/5/14</a:t>
             </a:fld>
             <a:endParaRPr lang="zh-CN" altLang="en-US"/>
           </a:p>
@@ -2094,7 +2099,7 @@
           <a:p>
             <a:fld id="{181EB48F-690E-47BC-A710-8A96CE427C21}" type="datetimeFigureOut">
               <a:rPr lang="zh-CN" altLang="en-US" smtClean="0"/>
-              <a:t>2018/5/8</a:t>
+              <a:t>2018/5/14</a:t>
             </a:fld>
             <a:endParaRPr lang="zh-CN" altLang="en-US"/>
           </a:p>
@@ -2347,7 +2352,7 @@
           <a:p>
             <a:fld id="{181EB48F-690E-47BC-A710-8A96CE427C21}" type="datetimeFigureOut">
               <a:rPr lang="zh-CN" altLang="en-US" smtClean="0"/>
-              <a:t>2018/5/8</a:t>
+              <a:t>2018/5/14</a:t>
             </a:fld>
             <a:endParaRPr lang="zh-CN" altLang="en-US"/>
           </a:p>
@@ -2560,7 +2565,7 @@
           <a:p>
             <a:fld id="{181EB48F-690E-47BC-A710-8A96CE427C21}" type="datetimeFigureOut">
               <a:rPr lang="zh-CN" altLang="en-US" smtClean="0"/>
-              <a:t>2018/5/8</a:t>
+              <a:t>2018/5/14</a:t>
             </a:fld>
             <a:endParaRPr lang="zh-CN" altLang="en-US"/>
           </a:p>
@@ -3086,7 +3091,7 @@
         <p:spPr>
           <a:xfrm>
             <a:off x="61731" y="3829664"/>
-            <a:ext cx="3651774" cy="1594208"/>
+            <a:ext cx="2552147" cy="1114158"/>
           </a:xfrm>
           <a:prstGeom prst="rect">
             <a:avLst/>
@@ -3101,8 +3106,8 @@
         </p:nvSpPr>
         <p:spPr>
           <a:xfrm>
-            <a:off x="898524" y="5544565"/>
-            <a:ext cx="1832553" cy="400110"/>
+            <a:off x="344023" y="5216198"/>
+            <a:ext cx="2000869" cy="430887"/>
           </a:xfrm>
           <a:prstGeom prst="rect">
             <a:avLst/>
@@ -3116,28 +3121,28 @@
           <a:lstStyle/>
           <a:p>
             <a:r>
-              <a:rPr lang="zh-CN" altLang="en-US" sz="1000" smtClean="0"/>
+              <a:rPr lang="zh-CN" altLang="en-US" sz="1100" smtClean="0"/>
               <a:t>利用</a:t>
             </a:r>
             <a:r>
-              <a:rPr lang="en-US" altLang="zh-CN" sz="1000" smtClean="0"/>
+              <a:rPr lang="en-US" altLang="zh-CN" sz="1100" smtClean="0"/>
               <a:t>get_face_from_camera.py</a:t>
             </a:r>
           </a:p>
           <a:p>
             <a:r>
-              <a:rPr lang="zh-CN" altLang="en-US" sz="1000" smtClean="0"/>
+              <a:rPr lang="zh-CN" altLang="en-US" sz="1100" smtClean="0"/>
               <a:t>从</a:t>
             </a:r>
             <a:r>
-              <a:rPr lang="en-US" altLang="zh-CN" sz="1000" smtClean="0"/>
+              <a:rPr lang="en-US" altLang="zh-CN" sz="1100" smtClean="0"/>
               <a:t>camera</a:t>
             </a:r>
             <a:r>
-              <a:rPr lang="zh-CN" altLang="en-US" sz="1000" smtClean="0"/>
+              <a:rPr lang="zh-CN" altLang="en-US" sz="1100" smtClean="0"/>
               <a:t>截取到的人脸；</a:t>
             </a:r>
-            <a:endParaRPr lang="zh-CN" altLang="en-US" sz="1000"/>
+            <a:endParaRPr lang="zh-CN" altLang="en-US" sz="1100"/>
           </a:p>
         </p:txBody>
       </p:sp>
@@ -3158,7 +3163,7 @@
         <p:spPr>
           <a:xfrm>
             <a:off x="427875" y="1000389"/>
-            <a:ext cx="2352280" cy="1862340"/>
+            <a:ext cx="1595394" cy="1263101"/>
           </a:xfrm>
           <a:prstGeom prst="rect">
             <a:avLst/>
@@ -3173,8 +3178,8 @@
         </p:nvSpPr>
         <p:spPr>
           <a:xfrm>
-            <a:off x="265084" y="6144730"/>
-            <a:ext cx="2759136" cy="246221"/>
+            <a:off x="30567" y="5772706"/>
+            <a:ext cx="2759136" cy="430887"/>
           </a:xfrm>
           <a:prstGeom prst="rect">
             <a:avLst/>
@@ -3188,18 +3193,18 @@
           <a:lstStyle/>
           <a:p>
             <a:r>
-              <a:rPr lang="zh-CN" altLang="en-US" sz="1000" smtClean="0"/>
+              <a:rPr lang="zh-CN" altLang="en-US" sz="1100" smtClean="0"/>
               <a:t>在 </a:t>
             </a:r>
             <a:r>
-              <a:rPr lang="en-US" altLang="zh-CN" sz="1000" smtClean="0"/>
+              <a:rPr lang="en-US" altLang="zh-CN" sz="1100" smtClean="0"/>
               <a:t>path_save </a:t>
             </a:r>
             <a:r>
-              <a:rPr lang="zh-CN" altLang="en-US" sz="1000" smtClean="0"/>
+              <a:rPr lang="zh-CN" altLang="en-US" sz="1100" smtClean="0"/>
               <a:t>文件夹目录下存储捕获到的人脸；</a:t>
             </a:r>
-            <a:endParaRPr lang="zh-CN" altLang="en-US" sz="1000"/>
+            <a:endParaRPr lang="zh-CN" altLang="en-US" sz="1100"/>
           </a:p>
         </p:txBody>
       </p:sp>
@@ -3213,7 +3218,7 @@
         </p:nvSpPr>
         <p:spPr>
           <a:xfrm>
-            <a:off x="4206926" y="169980"/>
+            <a:off x="3786119" y="176346"/>
             <a:ext cx="3244198" cy="884946"/>
           </a:xfrm>
           <a:prstGeom prst="rect">
@@ -3268,7 +3273,7 @@
         </p:blipFill>
         <p:spPr>
           <a:xfrm>
-            <a:off x="4584650" y="1154016"/>
+            <a:off x="3696823" y="1055185"/>
             <a:ext cx="3052710" cy="1342398"/>
           </a:xfrm>
           <a:prstGeom prst="rect">
@@ -3284,8 +3289,8 @@
         </p:nvSpPr>
         <p:spPr>
           <a:xfrm>
-            <a:off x="3791976" y="2921100"/>
-            <a:ext cx="2366353" cy="553998"/>
+            <a:off x="5142075" y="3024231"/>
+            <a:ext cx="2584362" cy="600164"/>
           </a:xfrm>
           <a:prstGeom prst="rect">
             <a:avLst/>
@@ -3299,59 +3304,59 @@
           <a:lstStyle/>
           <a:p>
             <a:r>
-              <a:rPr lang="zh-CN" altLang="en-US" sz="1000" smtClean="0"/>
+              <a:rPr lang="zh-CN" altLang="en-US" sz="1100" smtClean="0"/>
               <a:t>得到的存储人脸们的</a:t>
             </a:r>
             <a:r>
-              <a:rPr lang="en-US" altLang="zh-CN" sz="1000" smtClean="0"/>
+              <a:rPr lang="en-US" altLang="zh-CN" sz="1100" smtClean="0"/>
               <a:t>128D</a:t>
             </a:r>
             <a:r>
-              <a:rPr lang="zh-CN" altLang="en-US" sz="1000" smtClean="0"/>
+              <a:rPr lang="zh-CN" altLang="en-US" sz="1100" smtClean="0"/>
               <a:t>特征的</a:t>
             </a:r>
             <a:r>
-              <a:rPr lang="en-US" altLang="zh-CN" sz="1000" smtClean="0"/>
+              <a:rPr lang="en-US" altLang="zh-CN" sz="1100" smtClean="0"/>
               <a:t>CSV</a:t>
             </a:r>
             <a:r>
-              <a:rPr lang="zh-CN" altLang="en-US" sz="1000" smtClean="0"/>
+              <a:rPr lang="zh-CN" altLang="en-US" sz="1100" smtClean="0"/>
               <a:t>；</a:t>
             </a:r>
-            <a:endParaRPr lang="en-US" altLang="zh-CN" sz="1000" smtClean="0"/>
-          </a:p>
-          <a:p>
-            <a:r>
-              <a:rPr lang="en-US" altLang="zh-CN" sz="1000" smtClean="0"/>
+            <a:endParaRPr lang="en-US" altLang="zh-CN" sz="1100" smtClean="0"/>
+          </a:p>
+          <a:p>
+            <a:r>
+              <a:rPr lang="en-US" altLang="zh-CN" sz="1100" smtClean="0"/>
               <a:t>(</a:t>
             </a:r>
             <a:r>
-              <a:rPr lang="zh-CN" altLang="en-US" sz="1000" smtClean="0"/>
+              <a:rPr lang="zh-CN" altLang="en-US" sz="1100" smtClean="0"/>
               <a:t>行数：人脸数；列数：</a:t>
             </a:r>
             <a:r>
-              <a:rPr lang="en-US" altLang="zh-CN" sz="1000" smtClean="0"/>
+              <a:rPr lang="en-US" altLang="zh-CN" sz="1100" smtClean="0"/>
               <a:t>128D</a:t>
             </a:r>
             <a:r>
-              <a:rPr lang="zh-CN" altLang="en-US" sz="1000" smtClean="0"/>
+              <a:rPr lang="zh-CN" altLang="en-US" sz="1100" smtClean="0"/>
               <a:t>特征；</a:t>
             </a:r>
             <a:r>
-              <a:rPr lang="en-US" altLang="zh-CN" sz="1000" smtClean="0"/>
+              <a:rPr lang="en-US" altLang="zh-CN" sz="1100" smtClean="0"/>
               <a:t>)</a:t>
             </a:r>
           </a:p>
           <a:p>
             <a:r>
-              <a:rPr lang="zh-CN" altLang="en-US" sz="1000" smtClean="0"/>
+              <a:rPr lang="zh-CN" altLang="en-US" sz="1100" smtClean="0"/>
               <a:t>我这里命名为</a:t>
             </a:r>
             <a:r>
-              <a:rPr lang="en-US" altLang="zh-CN" sz="1000" smtClean="0"/>
+              <a:rPr lang="en-US" altLang="zh-CN" sz="1100" smtClean="0"/>
               <a:t>default_person.csv</a:t>
             </a:r>
-            <a:endParaRPr lang="zh-CN" altLang="en-US" sz="1000"/>
+            <a:endParaRPr lang="zh-CN" altLang="en-US" sz="1100"/>
           </a:p>
         </p:txBody>
       </p:sp>
@@ -3363,8 +3368,8 @@
         </p:nvSpPr>
         <p:spPr>
           <a:xfrm>
-            <a:off x="4847326" y="3933359"/>
-            <a:ext cx="2315057" cy="400110"/>
+            <a:off x="3932877" y="3949569"/>
+            <a:ext cx="2526654" cy="430887"/>
           </a:xfrm>
           <a:prstGeom prst="rect">
             <a:avLst/>
@@ -3378,41 +3383,41 @@
           <a:lstStyle/>
           <a:p>
             <a:r>
-              <a:rPr lang="zh-CN" altLang="en-US" sz="1000" smtClean="0"/>
+              <a:rPr lang="zh-CN" altLang="en-US" sz="1100" smtClean="0"/>
               <a:t>计算</a:t>
             </a:r>
             <a:r>
-              <a:rPr lang="en-US" altLang="zh-CN" sz="1000" smtClean="0"/>
+              <a:rPr lang="en-US" altLang="zh-CN" sz="1100" smtClean="0"/>
               <a:t>default_person</a:t>
             </a:r>
             <a:r>
-              <a:rPr lang="zh-CN" altLang="en-US" sz="1000" smtClean="0"/>
+              <a:rPr lang="zh-CN" altLang="en-US" sz="1100" smtClean="0"/>
               <a:t>的</a:t>
             </a:r>
             <a:r>
-              <a:rPr lang="en-US" altLang="zh-CN" sz="1000" smtClean="0"/>
+              <a:rPr lang="en-US" altLang="zh-CN" sz="1100" smtClean="0"/>
               <a:t>128D</a:t>
             </a:r>
             <a:r>
-              <a:rPr lang="zh-CN" altLang="en-US" sz="1000" smtClean="0"/>
+              <a:rPr lang="zh-CN" altLang="en-US" sz="1100" smtClean="0"/>
               <a:t>特征的均值</a:t>
             </a:r>
-            <a:endParaRPr lang="en-US" altLang="zh-CN" sz="1000" smtClean="0"/>
-          </a:p>
-          <a:p>
-            <a:r>
-              <a:rPr lang="en-US" altLang="zh-CN" sz="1000" smtClean="0"/>
+            <a:endParaRPr lang="en-US" altLang="zh-CN" sz="1100" smtClean="0"/>
+          </a:p>
+          <a:p>
+            <a:r>
+              <a:rPr lang="en-US" altLang="zh-CN" sz="1100" smtClean="0"/>
               <a:t>(compute_the_mean</a:t>
             </a:r>
             <a:r>
-              <a:rPr lang="zh-CN" altLang="en-US" sz="1000" smtClean="0"/>
+              <a:rPr lang="zh-CN" altLang="en-US" sz="1100" smtClean="0"/>
               <a:t>函数</a:t>
             </a:r>
             <a:r>
-              <a:rPr lang="en-US" altLang="zh-CN" sz="1000" smtClean="0"/>
+              <a:rPr lang="en-US" altLang="zh-CN" sz="1100" smtClean="0"/>
               <a:t>)</a:t>
             </a:r>
-            <a:endParaRPr lang="zh-CN" altLang="en-US" sz="1000"/>
+            <a:endParaRPr lang="zh-CN" altLang="en-US" sz="1100"/>
           </a:p>
         </p:txBody>
       </p:sp>
@@ -3424,8 +3429,8 @@
         </p:nvSpPr>
         <p:spPr>
           <a:xfrm>
-            <a:off x="6111005" y="2581883"/>
-            <a:ext cx="1441436" cy="246221"/>
+            <a:off x="5498756" y="2428330"/>
+            <a:ext cx="1441436" cy="261610"/>
           </a:xfrm>
           <a:prstGeom prst="rect">
             <a:avLst/>
@@ -3439,10 +3444,10 @@
           <a:lstStyle/>
           <a:p>
             <a:r>
-              <a:rPr lang="en-US" altLang="zh-CN" sz="1000" smtClean="0"/>
+              <a:rPr lang="en-US" altLang="zh-CN" sz="1100" smtClean="0"/>
               <a:t>default_person.csv</a:t>
             </a:r>
-            <a:endParaRPr lang="zh-CN" altLang="en-US" sz="1000"/>
+            <a:endParaRPr lang="zh-CN" altLang="en-US" sz="1100"/>
           </a:p>
         </p:txBody>
       </p:sp>
@@ -3454,7 +3459,7 @@
         </p:nvCxnSpPr>
         <p:spPr>
           <a:xfrm>
-            <a:off x="6111005" y="2518193"/>
+            <a:off x="4991650" y="2543686"/>
             <a:ext cx="0" cy="1369407"/>
           </a:xfrm>
           <a:prstGeom prst="straightConnector1">
@@ -3483,14 +3488,14 @@
         <p:nvCxnSpPr>
           <p:cNvPr id="18" name="直接箭头连接符 17"/>
           <p:cNvCxnSpPr>
-            <a:stCxn id="6" idx="2"/>
+            <a:endCxn id="4" idx="0"/>
           </p:cNvCxnSpPr>
           <p:nvPr/>
         </p:nvCxnSpPr>
         <p:spPr>
           <a:xfrm>
-            <a:off x="1604015" y="2862729"/>
-            <a:ext cx="40637" cy="925774"/>
+            <a:off x="1182795" y="2263490"/>
+            <a:ext cx="155010" cy="1566174"/>
           </a:xfrm>
           <a:prstGeom prst="straightConnector1">
             <a:avLst/>
@@ -3519,14 +3524,13 @@
           <p:cNvPr id="19" name="直接箭头连接符 18"/>
           <p:cNvCxnSpPr>
             <a:stCxn id="43" idx="3"/>
-            <a:endCxn id="44" idx="1"/>
           </p:cNvCxnSpPr>
           <p:nvPr/>
         </p:nvCxnSpPr>
         <p:spPr>
           <a:xfrm>
             <a:off x="2835787" y="612453"/>
-            <a:ext cx="1240964" cy="7536"/>
+            <a:ext cx="839066" cy="0"/>
           </a:xfrm>
           <a:prstGeom prst="straightConnector1">
             <a:avLst/>
@@ -3558,7 +3562,7 @@
         </p:nvCxnSpPr>
         <p:spPr>
           <a:xfrm>
-            <a:off x="6111005" y="4346070"/>
+            <a:off x="5023842" y="4398908"/>
             <a:ext cx="0" cy="734052"/>
           </a:xfrm>
           <a:prstGeom prst="straightConnector1">
@@ -3591,8 +3595,8 @@
         </p:nvSpPr>
         <p:spPr>
           <a:xfrm>
-            <a:off x="3787857" y="5672125"/>
-            <a:ext cx="4397358" cy="246221"/>
+            <a:off x="2965962" y="5759281"/>
+            <a:ext cx="4796506" cy="261610"/>
           </a:xfrm>
           <a:prstGeom prst="rect">
             <a:avLst/>
@@ -3606,7 +3610,7 @@
           <a:lstStyle/>
           <a:p>
             <a:r>
-              <a:rPr lang="en-US" altLang="zh-CN" sz="1000" smtClean="0"/>
+              <a:rPr lang="en-US" altLang="zh-CN" sz="1100" smtClean="0"/>
               <a:t>[-0.030892765492592986, 0.13333227054068916, 0.054221574805284799…]</a:t>
             </a:r>
           </a:p>
@@ -3620,8 +3624,8 @@
         </p:nvSpPr>
         <p:spPr>
           <a:xfrm>
-            <a:off x="4676897" y="5212102"/>
-            <a:ext cx="2472152" cy="400110"/>
+            <a:off x="3542470" y="5225272"/>
+            <a:ext cx="2698175" cy="430887"/>
           </a:xfrm>
           <a:prstGeom prst="rect">
             <a:avLst/>
@@ -3635,78 +3639,43 @@
           <a:lstStyle/>
           <a:p>
             <a:r>
-              <a:rPr lang="zh-CN" altLang="en-US" sz="1000" smtClean="0"/>
+              <a:rPr lang="zh-CN" altLang="en-US" sz="1100" smtClean="0"/>
               <a:t>得到的</a:t>
             </a:r>
             <a:r>
-              <a:rPr lang="en-US" altLang="zh-CN" sz="1000" smtClean="0"/>
+              <a:rPr lang="en-US" altLang="zh-CN" sz="1100" smtClean="0"/>
               <a:t>default_person</a:t>
             </a:r>
             <a:r>
-              <a:rPr lang="zh-CN" altLang="en-US" sz="1000" smtClean="0"/>
+              <a:rPr lang="zh-CN" altLang="en-US" sz="1100" smtClean="0"/>
               <a:t>的</a:t>
             </a:r>
             <a:r>
-              <a:rPr lang="en-US" altLang="zh-CN" sz="1000" smtClean="0"/>
+              <a:rPr lang="en-US" altLang="zh-CN" sz="1100" smtClean="0"/>
               <a:t>128D</a:t>
             </a:r>
             <a:r>
-              <a:rPr lang="zh-CN" altLang="en-US" sz="1000" smtClean="0"/>
+              <a:rPr lang="zh-CN" altLang="en-US" sz="1100" smtClean="0"/>
               <a:t>特征的均值</a:t>
             </a:r>
             <a:r>
-              <a:rPr lang="en-US" altLang="zh-CN" sz="1000" smtClean="0"/>
+              <a:rPr lang="en-US" altLang="zh-CN" sz="1100" smtClean="0"/>
               <a:t>;</a:t>
             </a:r>
           </a:p>
           <a:p>
             <a:r>
-              <a:rPr lang="zh-CN" altLang="en-US" sz="1000" smtClean="0"/>
+              <a:rPr lang="zh-CN" altLang="en-US" sz="1100" smtClean="0"/>
               <a:t>记为 </a:t>
             </a:r>
             <a:r>
-              <a:rPr lang="en-US" altLang="zh-CN" sz="1000" b="1" smtClean="0"/>
+              <a:rPr lang="en-US" altLang="zh-CN" sz="1100" b="1" smtClean="0"/>
               <a:t>features_mean_default_person</a:t>
             </a:r>
-            <a:endParaRPr lang="zh-CN" altLang="en-US" sz="1000" b="1"/>
-          </a:p>
-        </p:txBody>
-      </p:sp>
-      <p:cxnSp>
-        <p:nvCxnSpPr>
-          <p:cNvPr id="25" name="直接箭头连接符 24"/>
-          <p:cNvCxnSpPr>
-            <a:endCxn id="26" idx="1"/>
-          </p:cNvCxnSpPr>
-          <p:nvPr/>
-        </p:nvCxnSpPr>
-        <p:spPr>
-          <a:xfrm>
-            <a:off x="7277100" y="612453"/>
-            <a:ext cx="1426771" cy="7536"/>
-          </a:xfrm>
-          <a:prstGeom prst="straightConnector1">
-            <a:avLst/>
-          </a:prstGeom>
-          <a:ln>
-            <a:tailEnd type="triangle"/>
-          </a:ln>
-        </p:spPr>
-        <p:style>
-          <a:lnRef idx="1">
-            <a:schemeClr val="dk1"/>
-          </a:lnRef>
-          <a:fillRef idx="0">
-            <a:schemeClr val="dk1"/>
-          </a:fillRef>
-          <a:effectRef idx="0">
-            <a:schemeClr val="dk1"/>
-          </a:effectRef>
-          <a:fontRef idx="minor">
-            <a:schemeClr val="tx1"/>
-          </a:fontRef>
-        </p:style>
-      </p:cxnSp>
+            <a:endParaRPr lang="zh-CN" altLang="en-US" sz="1100" b="1"/>
+          </a:p>
+        </p:txBody>
+      </p:sp>
       <p:sp>
         <p:nvSpPr>
           <p:cNvPr id="26" name="标题 1"/>
@@ -3717,7 +3686,7 @@
         </p:nvSpPr>
         <p:spPr>
           <a:xfrm>
-            <a:off x="8703871" y="177516"/>
+            <a:off x="7637360" y="184806"/>
             <a:ext cx="3368636" cy="884946"/>
           </a:xfrm>
           <a:prstGeom prst="rect">
@@ -3764,8 +3733,8 @@
         </p:nvSpPr>
         <p:spPr>
           <a:xfrm>
-            <a:off x="9063833" y="1165251"/>
-            <a:ext cx="2468946" cy="246221"/>
+            <a:off x="7800907" y="1302426"/>
+            <a:ext cx="2702984" cy="261610"/>
           </a:xfrm>
           <a:prstGeom prst="rect">
             <a:avLst/>
@@ -3779,26 +3748,26 @@
           <a:lstStyle/>
           <a:p>
             <a:r>
-              <a:rPr lang="zh-CN" altLang="en-US" sz="1000" smtClean="0"/>
+              <a:rPr lang="zh-CN" altLang="en-US" sz="1100" smtClean="0"/>
               <a:t>利用 </a:t>
             </a:r>
             <a:r>
-              <a:rPr lang="en-US" altLang="zh-CN" sz="1000" smtClean="0"/>
+              <a:rPr lang="en-US" altLang="zh-CN" sz="1100" smtClean="0"/>
               <a:t>cv2.VideoCapture() </a:t>
             </a:r>
             <a:r>
-              <a:rPr lang="zh-CN" altLang="en-US" sz="1000" smtClean="0"/>
+              <a:rPr lang="zh-CN" altLang="en-US" sz="1100" smtClean="0"/>
               <a:t>获取</a:t>
             </a:r>
             <a:r>
-              <a:rPr lang="en-US" altLang="zh-CN" sz="1000" smtClean="0"/>
+              <a:rPr lang="en-US" altLang="zh-CN" sz="1100" smtClean="0"/>
               <a:t>camera</a:t>
             </a:r>
             <a:r>
-              <a:rPr lang="zh-CN" altLang="en-US" sz="1000" smtClean="0"/>
+              <a:rPr lang="zh-CN" altLang="en-US" sz="1100" smtClean="0"/>
               <a:t>画面</a:t>
             </a:r>
-            <a:endParaRPr lang="zh-CN" altLang="en-US" sz="1000"/>
+            <a:endParaRPr lang="zh-CN" altLang="en-US" sz="1100"/>
           </a:p>
         </p:txBody>
       </p:sp>
@@ -3810,8 +3779,8 @@
         </p:nvSpPr>
         <p:spPr>
           <a:xfrm>
-            <a:off x="9441855" y="2121385"/>
-            <a:ext cx="1415772" cy="246221"/>
+            <a:off x="8327494" y="2106920"/>
+            <a:ext cx="1539204" cy="261610"/>
           </a:xfrm>
           <a:prstGeom prst="rect">
             <a:avLst/>
@@ -3825,18 +3794,18 @@
           <a:lstStyle/>
           <a:p>
             <a:r>
-              <a:rPr lang="zh-CN" altLang="en-US" sz="1000" smtClean="0"/>
+              <a:rPr lang="zh-CN" altLang="en-US" sz="1100" smtClean="0"/>
               <a:t>交由</a:t>
             </a:r>
             <a:r>
-              <a:rPr lang="en-US" altLang="zh-CN" sz="1000" smtClean="0"/>
+              <a:rPr lang="en-US" altLang="zh-CN" sz="1100" smtClean="0"/>
               <a:t>dlib</a:t>
             </a:r>
             <a:r>
-              <a:rPr lang="zh-CN" altLang="en-US" sz="1000" smtClean="0"/>
+              <a:rPr lang="zh-CN" altLang="en-US" sz="1100" smtClean="0"/>
               <a:t>进行人脸检测</a:t>
             </a:r>
-            <a:endParaRPr lang="zh-CN" altLang="en-US" sz="1000"/>
+            <a:endParaRPr lang="zh-CN" altLang="en-US" sz="1100"/>
           </a:p>
         </p:txBody>
       </p:sp>
@@ -3848,8 +3817,8 @@
         </p:nvSpPr>
         <p:spPr>
           <a:xfrm>
-            <a:off x="9198887" y="3128950"/>
-            <a:ext cx="2141933" cy="400110"/>
+            <a:off x="8171027" y="3028323"/>
+            <a:ext cx="2337499" cy="430887"/>
           </a:xfrm>
           <a:prstGeom prst="rect">
             <a:avLst/>
@@ -3863,33 +3832,33 @@
           <a:lstStyle/>
           <a:p>
             <a:r>
-              <a:rPr lang="zh-CN" altLang="en-US" sz="1000" smtClean="0"/>
+              <a:rPr lang="zh-CN" altLang="en-US" sz="1100" smtClean="0"/>
               <a:t>提取出摄像头中人脸的</a:t>
             </a:r>
             <a:r>
-              <a:rPr lang="en-US" altLang="zh-CN" sz="1000" smtClean="0"/>
+              <a:rPr lang="en-US" altLang="zh-CN" sz="1100" smtClean="0"/>
               <a:t>128D</a:t>
             </a:r>
             <a:r>
-              <a:rPr lang="zh-CN" altLang="en-US" sz="1000" smtClean="0"/>
+              <a:rPr lang="zh-CN" altLang="en-US" sz="1100" smtClean="0"/>
               <a:t>特征；</a:t>
             </a:r>
-            <a:endParaRPr lang="en-US" altLang="zh-CN" sz="1000" smtClean="0"/>
-          </a:p>
-          <a:p>
-            <a:r>
-              <a:rPr lang="zh-CN" altLang="en-US" sz="1000" smtClean="0"/>
+            <a:endParaRPr lang="en-US" altLang="zh-CN" sz="1100" smtClean="0"/>
+          </a:p>
+          <a:p>
+            <a:r>
+              <a:rPr lang="zh-CN" altLang="en-US" sz="1100" smtClean="0"/>
               <a:t>记为 </a:t>
             </a:r>
             <a:r>
-              <a:rPr lang="en-US" altLang="zh-CN" sz="1000" b="1" smtClean="0"/>
+              <a:rPr lang="en-US" altLang="zh-CN" sz="1100" b="1" smtClean="0"/>
               <a:t>features_rd</a:t>
             </a:r>
             <a:r>
-              <a:rPr lang="zh-CN" altLang="en-US" sz="1000" smtClean="0"/>
+              <a:rPr lang="zh-CN" altLang="en-US" sz="1100" smtClean="0"/>
               <a:t>；</a:t>
             </a:r>
-            <a:endParaRPr lang="zh-CN" altLang="en-US" sz="1000"/>
+            <a:endParaRPr lang="zh-CN" altLang="en-US" sz="1100"/>
           </a:p>
         </p:txBody>
       </p:sp>
@@ -3901,8 +3870,8 @@
         </p:nvSpPr>
         <p:spPr>
           <a:xfrm>
-            <a:off x="8419247" y="4089247"/>
-            <a:ext cx="3741730" cy="246221"/>
+            <a:off x="7780241" y="4028806"/>
+            <a:ext cx="3424335" cy="430887"/>
           </a:xfrm>
           <a:prstGeom prst="rect">
             <a:avLst/>
@@ -3916,26 +3885,33 @@
           <a:lstStyle/>
           <a:p>
             <a:r>
-              <a:rPr lang="zh-CN" altLang="en-US" sz="1000" smtClean="0"/>
+              <a:rPr lang="zh-CN" altLang="en-US" sz="1100" smtClean="0"/>
               <a:t>计算 </a:t>
             </a:r>
             <a:r>
-              <a:rPr lang="en-US" altLang="zh-CN" sz="1000" b="1" smtClean="0"/>
+              <a:rPr lang="en-US" altLang="zh-CN" sz="1100" b="1" smtClean="0"/>
               <a:t>features_rd </a:t>
             </a:r>
             <a:r>
-              <a:rPr lang="zh-CN" altLang="en-US" sz="1000" smtClean="0"/>
+              <a:rPr lang="zh-CN" altLang="en-US" sz="1100" smtClean="0"/>
               <a:t>和 </a:t>
             </a:r>
             <a:r>
-              <a:rPr lang="en-US" altLang="zh-CN" sz="1000" b="1" smtClean="0"/>
+              <a:rPr lang="en-US" altLang="zh-CN" sz="1100" b="1" smtClean="0"/>
               <a:t>features_mean_default_person </a:t>
             </a:r>
-            <a:r>
-              <a:rPr lang="zh-CN" altLang="en-US" sz="1000" smtClean="0"/>
-              <a:t>的欧氏距离</a:t>
-            </a:r>
-            <a:endParaRPr lang="zh-CN" altLang="en-US" sz="1000"/>
+            <a:endParaRPr lang="en-US" altLang="zh-CN" sz="1100" b="1" smtClean="0"/>
+          </a:p>
+          <a:p>
+            <a:r>
+              <a:rPr lang="zh-CN" altLang="en-US" sz="1100" smtClean="0"/>
+              <a:t>的</a:t>
+            </a:r>
+            <a:r>
+              <a:rPr lang="zh-CN" altLang="en-US" sz="1100" smtClean="0"/>
+              <a:t>欧氏距离</a:t>
+            </a:r>
+            <a:endParaRPr lang="zh-CN" altLang="en-US" sz="1100"/>
           </a:p>
         </p:txBody>
       </p:sp>
@@ -3947,8 +3923,8 @@
         </p:nvSpPr>
         <p:spPr>
           <a:xfrm>
-            <a:off x="9930302" y="5016270"/>
-            <a:ext cx="604653" cy="246221"/>
+            <a:off x="8896279" y="5090462"/>
+            <a:ext cx="644728" cy="261610"/>
           </a:xfrm>
           <a:prstGeom prst="rect">
             <a:avLst/>
@@ -3962,14 +3938,14 @@
           <a:lstStyle/>
           <a:p>
             <a:r>
-              <a:rPr lang="zh-CN" altLang="en-US" sz="1000" smtClean="0"/>
+              <a:rPr lang="zh-CN" altLang="en-US" sz="1100" smtClean="0"/>
               <a:t>阈值</a:t>
             </a:r>
             <a:r>
-              <a:rPr lang="en-US" altLang="zh-CN" sz="1000" smtClean="0"/>
+              <a:rPr lang="en-US" altLang="zh-CN" sz="1100" smtClean="0"/>
               <a:t>0.4</a:t>
             </a:r>
-            <a:endParaRPr lang="zh-CN" altLang="en-US" sz="1000"/>
+            <a:endParaRPr lang="zh-CN" altLang="en-US" sz="1100"/>
           </a:p>
         </p:txBody>
       </p:sp>
@@ -3981,8 +3957,8 @@
         </p:nvSpPr>
         <p:spPr>
           <a:xfrm>
-            <a:off x="8669562" y="5489101"/>
-            <a:ext cx="1144865" cy="246221"/>
+            <a:off x="7637360" y="5573966"/>
+            <a:ext cx="1208985" cy="261610"/>
           </a:xfrm>
           <a:prstGeom prst="rect">
             <a:avLst/>
@@ -3996,14 +3972,14 @@
           <a:lstStyle/>
           <a:p>
             <a:r>
-              <a:rPr lang="zh-CN" altLang="en-US" sz="1000" smtClean="0"/>
+              <a:rPr lang="zh-CN" altLang="en-US" sz="1100" smtClean="0"/>
               <a:t>欧氏距离大于</a:t>
             </a:r>
             <a:r>
-              <a:rPr lang="en-US" altLang="zh-CN" sz="1000" smtClean="0"/>
+              <a:rPr lang="en-US" altLang="zh-CN" sz="1100" smtClean="0"/>
               <a:t>0.4</a:t>
             </a:r>
-            <a:endParaRPr lang="zh-CN" altLang="en-US" sz="1000"/>
+            <a:endParaRPr lang="zh-CN" altLang="en-US" sz="1100"/>
           </a:p>
         </p:txBody>
       </p:sp>
@@ -4015,8 +3991,8 @@
         </p:nvSpPr>
         <p:spPr>
           <a:xfrm>
-            <a:off x="10617254" y="5509166"/>
-            <a:ext cx="1401346" cy="246221"/>
+            <a:off x="9585052" y="5594031"/>
+            <a:ext cx="1491114" cy="261610"/>
           </a:xfrm>
           <a:prstGeom prst="rect">
             <a:avLst/>
@@ -4030,14 +4006,14 @@
           <a:lstStyle/>
           <a:p>
             <a:r>
-              <a:rPr lang="zh-CN" altLang="en-US" sz="1000" smtClean="0"/>
+              <a:rPr lang="zh-CN" altLang="en-US" sz="1100" smtClean="0"/>
               <a:t>欧氏距离小于等于</a:t>
             </a:r>
             <a:r>
-              <a:rPr lang="en-US" altLang="zh-CN" sz="1000" smtClean="0"/>
+              <a:rPr lang="en-US" altLang="zh-CN" sz="1100" smtClean="0"/>
               <a:t>0.4</a:t>
             </a:r>
-            <a:endParaRPr lang="zh-CN" altLang="en-US" sz="1000"/>
+            <a:endParaRPr lang="zh-CN" altLang="en-US" sz="1100"/>
           </a:p>
         </p:txBody>
       </p:sp>
@@ -4049,8 +4025,8 @@
         </p:nvSpPr>
         <p:spPr>
           <a:xfrm>
-            <a:off x="10027248" y="6059984"/>
-            <a:ext cx="2281394" cy="400110"/>
+            <a:off x="8995046" y="6144849"/>
+            <a:ext cx="2489784" cy="430887"/>
           </a:xfrm>
           <a:prstGeom prst="rect">
             <a:avLst/>
@@ -4064,29 +4040,29 @@
           <a:lstStyle/>
           <a:p>
             <a:r>
-              <a:rPr lang="zh-CN" altLang="en-US" sz="1000" smtClean="0"/>
+              <a:rPr lang="zh-CN" altLang="en-US" sz="1100" smtClean="0"/>
               <a:t>和</a:t>
             </a:r>
             <a:r>
-              <a:rPr lang="en-US" altLang="zh-CN" sz="1000" smtClean="0"/>
+              <a:rPr lang="en-US" altLang="zh-CN" sz="1100" smtClean="0"/>
               <a:t>default_person</a:t>
             </a:r>
             <a:r>
-              <a:rPr lang="zh-CN" altLang="en-US" sz="1000" smtClean="0"/>
+              <a:rPr lang="zh-CN" altLang="en-US" sz="1100" smtClean="0"/>
               <a:t>人脸特征差异较小；</a:t>
             </a:r>
-            <a:endParaRPr lang="en-US" altLang="zh-CN" sz="1000" smtClean="0"/>
-          </a:p>
-          <a:p>
-            <a:r>
-              <a:rPr lang="zh-CN" altLang="en-US" sz="1000" smtClean="0"/>
+            <a:endParaRPr lang="en-US" altLang="zh-CN" sz="1100" smtClean="0"/>
+          </a:p>
+          <a:p>
+            <a:r>
+              <a:rPr lang="zh-CN" altLang="en-US" sz="1100" smtClean="0"/>
               <a:t>判定摄像头中的人是</a:t>
             </a:r>
             <a:r>
-              <a:rPr lang="en-US" altLang="zh-CN" sz="1000" smtClean="0"/>
+              <a:rPr lang="en-US" altLang="zh-CN" sz="1100" smtClean="0"/>
               <a:t>default_person</a:t>
             </a:r>
-            <a:endParaRPr lang="zh-CN" altLang="en-US" sz="1000"/>
+            <a:endParaRPr lang="zh-CN" altLang="en-US" sz="1100"/>
           </a:p>
         </p:txBody>
       </p:sp>
@@ -4098,8 +4074,8 @@
         </p:nvSpPr>
         <p:spPr>
           <a:xfrm>
-            <a:off x="7637360" y="6221365"/>
-            <a:ext cx="2281394" cy="400110"/>
+            <a:off x="6605158" y="6306230"/>
+            <a:ext cx="2489784" cy="430887"/>
           </a:xfrm>
           <a:prstGeom prst="rect">
             <a:avLst/>
@@ -4113,29 +4089,29 @@
           <a:lstStyle/>
           <a:p>
             <a:r>
-              <a:rPr lang="zh-CN" altLang="en-US" sz="1000" smtClean="0"/>
+              <a:rPr lang="zh-CN" altLang="en-US" sz="1100" smtClean="0"/>
               <a:t>和</a:t>
             </a:r>
             <a:r>
-              <a:rPr lang="en-US" altLang="zh-CN" sz="1000" smtClean="0"/>
+              <a:rPr lang="en-US" altLang="zh-CN" sz="1100" smtClean="0"/>
               <a:t>default_person</a:t>
             </a:r>
             <a:r>
-              <a:rPr lang="zh-CN" altLang="en-US" sz="1000" smtClean="0"/>
+              <a:rPr lang="zh-CN" altLang="en-US" sz="1100" smtClean="0"/>
               <a:t>人脸特征差异较大；</a:t>
             </a:r>
-            <a:endParaRPr lang="en-US" altLang="zh-CN" sz="1000" smtClean="0"/>
-          </a:p>
-          <a:p>
-            <a:r>
-              <a:rPr lang="zh-CN" altLang="en-US" sz="1000" smtClean="0"/>
+            <a:endParaRPr lang="en-US" altLang="zh-CN" sz="1100" smtClean="0"/>
+          </a:p>
+          <a:p>
+            <a:r>
+              <a:rPr lang="zh-CN" altLang="en-US" sz="1100" smtClean="0"/>
               <a:t>判定摄像头中的人不是</a:t>
             </a:r>
             <a:r>
-              <a:rPr lang="en-US" altLang="zh-CN" sz="1000" smtClean="0"/>
+              <a:rPr lang="en-US" altLang="zh-CN" sz="1100" smtClean="0"/>
               <a:t>default_person</a:t>
             </a:r>
-            <a:endParaRPr lang="zh-CN" altLang="en-US" sz="1000"/>
+            <a:endParaRPr lang="zh-CN" altLang="en-US" sz="1100"/>
           </a:p>
         </p:txBody>
       </p:sp>
@@ -4147,7 +4123,7 @@
         </p:nvSpPr>
         <p:spPr>
           <a:xfrm>
-            <a:off x="9780227" y="4873440"/>
+            <a:off x="8748025" y="4958305"/>
             <a:ext cx="837027" cy="519041"/>
           </a:xfrm>
           <a:prstGeom prst="flowChartDecision">
@@ -4240,8 +4216,8 @@
         </p:nvSpPr>
         <p:spPr>
           <a:xfrm>
-            <a:off x="4076751" y="364610"/>
-            <a:ext cx="3200349" cy="510758"/>
+            <a:off x="3681643" y="372680"/>
+            <a:ext cx="3029123" cy="510758"/>
           </a:xfrm>
           <a:prstGeom prst="roundRect">
             <a:avLst/>
@@ -4281,7 +4257,7 @@
         </p:nvSpPr>
         <p:spPr>
           <a:xfrm>
-            <a:off x="8697081" y="364610"/>
+            <a:off x="7552441" y="372680"/>
             <a:ext cx="3052959" cy="510758"/>
           </a:xfrm>
           <a:prstGeom prst="roundRect">
@@ -4322,8 +4298,8 @@
         </p:nvSpPr>
         <p:spPr>
           <a:xfrm>
-            <a:off x="247634" y="2903890"/>
-            <a:ext cx="1085554" cy="246221"/>
+            <a:off x="227226" y="2282076"/>
+            <a:ext cx="910827" cy="261610"/>
           </a:xfrm>
           <a:prstGeom prst="rect">
             <a:avLst/>
@@ -4337,10 +4313,14 @@
           <a:lstStyle/>
           <a:p>
             <a:r>
-              <a:rPr lang="zh-CN" altLang="en-US" sz="1000" smtClean="0"/>
-              <a:t>摄像头窗口界面</a:t>
-            </a:r>
-            <a:endParaRPr lang="zh-CN" altLang="en-US" sz="1000"/>
+              <a:rPr lang="en-US" altLang="zh-CN" sz="1100"/>
+              <a:t>camera</a:t>
+            </a:r>
+            <a:r>
+              <a:rPr lang="zh-CN" altLang="en-US" sz="1100" smtClean="0"/>
+              <a:t>窗口</a:t>
+            </a:r>
+            <a:endParaRPr lang="zh-CN" altLang="en-US" sz="1100"/>
           </a:p>
         </p:txBody>
       </p:sp>
@@ -4352,8 +4332,8 @@
         </p:nvCxnSpPr>
         <p:spPr>
           <a:xfrm flipV="1">
-            <a:off x="2613878" y="1717332"/>
-            <a:ext cx="1915140" cy="2112332"/>
+            <a:off x="2200607" y="1712322"/>
+            <a:ext cx="1481036" cy="2117343"/>
           </a:xfrm>
           <a:prstGeom prst="straightConnector1">
             <a:avLst/>
@@ -4384,9 +4364,9 @@
           <p:nvPr/>
         </p:nvSpPr>
         <p:spPr>
-          <a:xfrm rot="18656529">
-            <a:off x="2650773" y="1948884"/>
-            <a:ext cx="2287485" cy="553998"/>
+          <a:xfrm rot="18301460">
+            <a:off x="1611761" y="2121402"/>
+            <a:ext cx="2287485" cy="769441"/>
           </a:xfrm>
           <a:prstGeom prst="rect">
             <a:avLst/>
@@ -4399,30 +4379,30 @@
           <a:lstStyle/>
           <a:p>
             <a:r>
-              <a:rPr lang="zh-CN" altLang="en-US" sz="1000" smtClean="0"/>
+              <a:rPr lang="zh-CN" altLang="en-US" sz="1100" smtClean="0"/>
               <a:t>利用</a:t>
             </a:r>
             <a:r>
-              <a:rPr lang="en-US" altLang="zh-CN" sz="1000" smtClean="0"/>
+              <a:rPr lang="en-US" altLang="zh-CN" sz="1100" smtClean="0"/>
               <a:t>facerec.compute_face_descriptor()</a:t>
             </a:r>
           </a:p>
           <a:p>
             <a:r>
-              <a:rPr lang="zh-CN" altLang="en-US" sz="1000" smtClean="0"/>
+              <a:rPr lang="zh-CN" altLang="en-US" sz="1100" smtClean="0"/>
               <a:t>提取图像</a:t>
             </a:r>
             <a:r>
-              <a:rPr lang="en-US" altLang="zh-CN" sz="1000" smtClean="0"/>
+              <a:rPr lang="en-US" altLang="zh-CN" sz="1100" smtClean="0"/>
               <a:t>128D</a:t>
             </a:r>
             <a:r>
-              <a:rPr lang="zh-CN" altLang="en-US" sz="1000" smtClean="0"/>
+              <a:rPr lang="zh-CN" altLang="en-US" sz="1100" smtClean="0"/>
               <a:t>特征</a:t>
             </a:r>
           </a:p>
           <a:p>
-            <a:endParaRPr lang="zh-CN" altLang="en-US" sz="1000"/>
+            <a:endParaRPr lang="zh-CN" altLang="en-US" sz="1100"/>
           </a:p>
         </p:txBody>
       </p:sp>
@@ -4434,8 +4414,8 @@
         </p:nvCxnSpPr>
         <p:spPr>
           <a:xfrm>
-            <a:off x="10182202" y="1469224"/>
-            <a:ext cx="0" cy="547600"/>
+            <a:off x="9078920" y="891539"/>
+            <a:ext cx="0" cy="356426"/>
           </a:xfrm>
           <a:prstGeom prst="straightConnector1">
             <a:avLst/>
@@ -4467,7 +4447,7 @@
         </p:nvCxnSpPr>
         <p:spPr>
           <a:xfrm>
-            <a:off x="10198741" y="2405187"/>
+            <a:off x="9078920" y="1548647"/>
             <a:ext cx="0" cy="547600"/>
           </a:xfrm>
           <a:prstGeom prst="straightConnector1">
@@ -4500,7 +4480,7 @@
         </p:nvCxnSpPr>
         <p:spPr>
           <a:xfrm>
-            <a:off x="10182202" y="3529060"/>
+            <a:off x="9117481" y="3421740"/>
             <a:ext cx="0" cy="547600"/>
           </a:xfrm>
           <a:prstGeom prst="straightConnector1">
@@ -4533,7 +4513,7 @@
         </p:nvCxnSpPr>
         <p:spPr>
           <a:xfrm>
-            <a:off x="10182202" y="4345266"/>
+            <a:off x="9132795" y="4398908"/>
             <a:ext cx="0" cy="547600"/>
           </a:xfrm>
           <a:prstGeom prst="straightConnector1">
@@ -4568,7 +4548,7 @@
         </p:nvCxnSpPr>
         <p:spPr>
           <a:xfrm flipH="1">
-            <a:off x="9189219" y="5132961"/>
+            <a:off x="8157017" y="5217826"/>
             <a:ext cx="591008" cy="290911"/>
           </a:xfrm>
           <a:prstGeom prst="straightConnector1">
@@ -4603,7 +4583,7 @@
         </p:nvCxnSpPr>
         <p:spPr>
           <a:xfrm>
-            <a:off x="10617254" y="5132961"/>
+            <a:off x="9585052" y="5217826"/>
             <a:ext cx="591008" cy="356140"/>
           </a:xfrm>
           <a:prstGeom prst="straightConnector1">
@@ -4638,8 +4618,8 @@
         </p:nvCxnSpPr>
         <p:spPr>
           <a:xfrm flipH="1">
-            <a:off x="8778057" y="5783006"/>
-            <a:ext cx="281809" cy="438359"/>
+            <a:off x="7850050" y="5867871"/>
+            <a:ext cx="177615" cy="438359"/>
           </a:xfrm>
           <a:prstGeom prst="straightConnector1">
             <a:avLst/>
@@ -4673,8 +4653,8 @@
         </p:nvCxnSpPr>
         <p:spPr>
           <a:xfrm>
-            <a:off x="11167945" y="5755387"/>
-            <a:ext cx="0" cy="304597"/>
+            <a:off x="10135743" y="5840252"/>
+            <a:ext cx="104195" cy="304597"/>
           </a:xfrm>
           <a:prstGeom prst="straightConnector1">
             <a:avLst/>
@@ -4708,8 +4688,8 @@
         </p:nvCxnSpPr>
         <p:spPr>
           <a:xfrm flipV="1">
-            <a:off x="7149049" y="4345266"/>
-            <a:ext cx="1256864" cy="1066891"/>
+            <a:off x="6240645" y="4275207"/>
+            <a:ext cx="611004" cy="1165509"/>
           </a:xfrm>
           <a:prstGeom prst="straightConnector1">
             <a:avLst/>
@@ -4741,7 +4721,7 @@
         </p:nvSpPr>
         <p:spPr>
           <a:xfrm>
-            <a:off x="4956207" y="6125776"/>
+            <a:off x="4109683" y="6108385"/>
             <a:ext cx="1441436" cy="400110"/>
           </a:xfrm>
           <a:prstGeom prst="rect">
@@ -4787,6 +4767,72 @@
           </a:p>
         </p:txBody>
       </p:sp>
+      <p:cxnSp>
+        <p:nvCxnSpPr>
+          <p:cNvPr id="51" name="直接箭头连接符 50"/>
+          <p:cNvCxnSpPr/>
+          <p:nvPr/>
+        </p:nvCxnSpPr>
+        <p:spPr>
+          <a:xfrm>
+            <a:off x="6713375" y="620580"/>
+            <a:ext cx="839066" cy="0"/>
+          </a:xfrm>
+          <a:prstGeom prst="straightConnector1">
+            <a:avLst/>
+          </a:prstGeom>
+          <a:ln>
+            <a:tailEnd type="triangle"/>
+          </a:ln>
+        </p:spPr>
+        <p:style>
+          <a:lnRef idx="1">
+            <a:schemeClr val="dk1"/>
+          </a:lnRef>
+          <a:fillRef idx="0">
+            <a:schemeClr val="dk1"/>
+          </a:fillRef>
+          <a:effectRef idx="0">
+            <a:schemeClr val="dk1"/>
+          </a:effectRef>
+          <a:fontRef idx="minor">
+            <a:schemeClr val="tx1"/>
+          </a:fontRef>
+        </p:style>
+      </p:cxnSp>
+      <p:cxnSp>
+        <p:nvCxnSpPr>
+          <p:cNvPr id="54" name="直接箭头连接符 53"/>
+          <p:cNvCxnSpPr/>
+          <p:nvPr/>
+        </p:nvCxnSpPr>
+        <p:spPr>
+          <a:xfrm>
+            <a:off x="9078920" y="2397583"/>
+            <a:ext cx="0" cy="547600"/>
+          </a:xfrm>
+          <a:prstGeom prst="straightConnector1">
+            <a:avLst/>
+          </a:prstGeom>
+          <a:ln>
+            <a:tailEnd type="triangle"/>
+          </a:ln>
+        </p:spPr>
+        <p:style>
+          <a:lnRef idx="1">
+            <a:schemeClr val="dk1"/>
+          </a:lnRef>
+          <a:fillRef idx="0">
+            <a:schemeClr val="dk1"/>
+          </a:fillRef>
+          <a:effectRef idx="0">
+            <a:schemeClr val="dk1"/>
+          </a:effectRef>
+          <a:fontRef idx="minor">
+            <a:schemeClr val="tx1"/>
+          </a:fontRef>
+        </p:style>
+      </p:cxnSp>
     </p:spTree>
     <p:extLst>
       <p:ext uri="{BB962C8B-B14F-4D97-AF65-F5344CB8AC3E}">
